--- a/Prezentacja.pptx
+++ b/Prezentacja.pptx
@@ -12,12 +12,13 @@
     <p:sldId id="265" r:id="rId6"/>
     <p:sldId id="267" r:id="rId7"/>
     <p:sldId id="268" r:id="rId8"/>
-    <p:sldId id="272" r:id="rId9"/>
-    <p:sldId id="269" r:id="rId10"/>
-    <p:sldId id="270" r:id="rId11"/>
-    <p:sldId id="271" r:id="rId12"/>
-    <p:sldId id="273" r:id="rId13"/>
-    <p:sldId id="262" r:id="rId14"/>
+    <p:sldId id="274" r:id="rId9"/>
+    <p:sldId id="272" r:id="rId10"/>
+    <p:sldId id="269" r:id="rId11"/>
+    <p:sldId id="270" r:id="rId12"/>
+    <p:sldId id="271" r:id="rId13"/>
+    <p:sldId id="273" r:id="rId14"/>
+    <p:sldId id="262" r:id="rId15"/>
   </p:sldIdLst>
   <p:sldSz cx="9144000" cy="6858000" type="screen4x3"/>
   <p:notesSz cx="6858000" cy="9144000"/>
@@ -350,7 +351,7 @@
           <a:p>
             <a:fld id="{B2855FE9-54A6-4897-B6A3-61C23B0E61DC}" type="datetimeFigureOut">
               <a:rPr lang="pl-PL" smtClean="0"/>
-              <a:t>15.02.2018</a:t>
+              <a:t>10.05.2018</a:t>
             </a:fld>
             <a:endParaRPr lang="pl-PL"/>
           </a:p>
@@ -558,7 +559,7 @@
           <a:p>
             <a:fld id="{B2855FE9-54A6-4897-B6A3-61C23B0E61DC}" type="datetimeFigureOut">
               <a:rPr lang="pl-PL" smtClean="0"/>
-              <a:t>15.02.2018</a:t>
+              <a:t>10.05.2018</a:t>
             </a:fld>
             <a:endParaRPr lang="pl-PL"/>
           </a:p>
@@ -814,7 +815,7 @@
           <a:p>
             <a:fld id="{B2855FE9-54A6-4897-B6A3-61C23B0E61DC}" type="datetimeFigureOut">
               <a:rPr lang="pl-PL" smtClean="0"/>
-              <a:t>15.02.2018</a:t>
+              <a:t>10.05.2018</a:t>
             </a:fld>
             <a:endParaRPr lang="pl-PL"/>
           </a:p>
@@ -984,7 +985,7 @@
           <a:p>
             <a:fld id="{B2855FE9-54A6-4897-B6A3-61C23B0E61DC}" type="datetimeFigureOut">
               <a:rPr lang="pl-PL" smtClean="0"/>
-              <a:t>15.02.2018</a:t>
+              <a:t>10.05.2018</a:t>
             </a:fld>
             <a:endParaRPr lang="pl-PL"/>
           </a:p>
@@ -1327,7 +1328,7 @@
           <a:p>
             <a:fld id="{B2855FE9-54A6-4897-B6A3-61C23B0E61DC}" type="datetimeFigureOut">
               <a:rPr lang="pl-PL" smtClean="0"/>
-              <a:t>15.02.2018</a:t>
+              <a:t>10.05.2018</a:t>
             </a:fld>
             <a:endParaRPr lang="pl-PL"/>
           </a:p>
@@ -1602,7 +1603,7 @@
           <a:p>
             <a:fld id="{B2855FE9-54A6-4897-B6A3-61C23B0E61DC}" type="datetimeFigureOut">
               <a:rPr lang="pl-PL" smtClean="0"/>
-              <a:t>15.02.2018</a:t>
+              <a:t>10.05.2018</a:t>
             </a:fld>
             <a:endParaRPr lang="pl-PL"/>
           </a:p>
@@ -1981,7 +1982,7 @@
           <a:p>
             <a:fld id="{B2855FE9-54A6-4897-B6A3-61C23B0E61DC}" type="datetimeFigureOut">
               <a:rPr lang="pl-PL" smtClean="0"/>
-              <a:t>15.02.2018</a:t>
+              <a:t>10.05.2018</a:t>
             </a:fld>
             <a:endParaRPr lang="pl-PL"/>
           </a:p>
@@ -2099,7 +2100,7 @@
           <a:p>
             <a:fld id="{B2855FE9-54A6-4897-B6A3-61C23B0E61DC}" type="datetimeFigureOut">
               <a:rPr lang="pl-PL" smtClean="0"/>
-              <a:t>15.02.2018</a:t>
+              <a:t>10.05.2018</a:t>
             </a:fld>
             <a:endParaRPr lang="pl-PL"/>
           </a:p>
@@ -2270,7 +2271,7 @@
           <a:p>
             <a:fld id="{B2855FE9-54A6-4897-B6A3-61C23B0E61DC}" type="datetimeFigureOut">
               <a:rPr lang="pl-PL" smtClean="0"/>
-              <a:t>15.02.2018</a:t>
+              <a:t>10.05.2018</a:t>
             </a:fld>
             <a:endParaRPr lang="pl-PL"/>
           </a:p>
@@ -2624,7 +2625,7 @@
           <a:p>
             <a:fld id="{B2855FE9-54A6-4897-B6A3-61C23B0E61DC}" type="datetimeFigureOut">
               <a:rPr lang="pl-PL" smtClean="0"/>
-              <a:t>15.02.2018</a:t>
+              <a:t>10.05.2018</a:t>
             </a:fld>
             <a:endParaRPr lang="pl-PL"/>
           </a:p>
@@ -3006,7 +3007,7 @@
           <a:p>
             <a:fld id="{B2855FE9-54A6-4897-B6A3-61C23B0E61DC}" type="datetimeFigureOut">
               <a:rPr lang="pl-PL" smtClean="0"/>
-              <a:t>15.02.2018</a:t>
+              <a:t>10.05.2018</a:t>
             </a:fld>
             <a:endParaRPr lang="pl-PL"/>
           </a:p>
@@ -3293,7 +3294,7 @@
           <a:p>
             <a:fld id="{B2855FE9-54A6-4897-B6A3-61C23B0E61DC}" type="datetimeFigureOut">
               <a:rPr lang="pl-PL" smtClean="0"/>
-              <a:t>15.02.2018</a:t>
+              <a:t>10.05.2018</a:t>
             </a:fld>
             <a:endParaRPr lang="pl-PL"/>
           </a:p>
@@ -3908,7 +3909,7 @@
 </file>
 
 <file path=ppt/slides/slide10.xml><?xml version="1.0" encoding="utf-8"?>
-<p:sld xmlns:a="http://schemas.openxmlformats.org/drawingml/2006/main" xmlns:r="http://schemas.openxmlformats.org/officeDocument/2006/relationships" xmlns:p="http://schemas.openxmlformats.org/presentationml/2006/main">
+<p:sld xmlns:a="http://schemas.openxmlformats.org/drawingml/2006/main" xmlns:r="http://schemas.openxmlformats.org/officeDocument/2006/relationships" xmlns:p="http://schemas.openxmlformats.org/presentationml/2006/main" show="0">
   <p:cSld>
     <p:spTree>
       <p:nvGrpSpPr>
@@ -3940,16 +3941,12 @@
           <a:lstStyle/>
           <a:p>
             <a:r>
-              <a:rPr lang="pl-PL" dirty="0" err="1"/>
-              <a:t>Fluent</a:t>
-            </a:r>
-            <a:r>
               <a:rPr lang="pl-PL" dirty="0"/>
               <a:t> </a:t>
             </a:r>
             <a:r>
               <a:rPr lang="pl-PL" dirty="0" err="1"/>
-              <a:t>Validation</a:t>
+              <a:t>Faker.Net</a:t>
             </a:r>
             <a:endParaRPr lang="pl-PL" dirty="0"/>
           </a:p>
@@ -3978,11 +3975,7 @@
             </a:pPr>
             <a:r>
               <a:rPr lang="pl-PL" sz="2800" dirty="0"/>
-              <a:t>Rozbudowana</a:t>
-            </a:r>
-            <a:r>
-              <a:rPr lang="pl-PL" sz="2400" dirty="0"/>
-              <a:t> walidacja obiektów</a:t>
+              <a:t>Możliwość generowania w miarę realnych danych</a:t>
             </a:r>
           </a:p>
           <a:p>
@@ -3990,18 +3983,7 @@
               <a:buFont typeface="Arial" panose="020B0604020202020204" pitchFamily="34" charset="0"/>
               <a:buChar char="•"/>
             </a:pPr>
-            <a:r>
-              <a:rPr lang="pl-PL" sz="2000" dirty="0"/>
-              <a:t>Do tego przyjemne </a:t>
-            </a:r>
-            <a:r>
-              <a:rPr lang="pl-PL" sz="2000" dirty="0" err="1"/>
-              <a:t>Fluent</a:t>
-            </a:r>
-            <a:r>
-              <a:rPr lang="pl-PL" sz="2000" dirty="0"/>
-              <a:t> API</a:t>
-            </a:r>
+            <a:endParaRPr lang="pl-PL" sz="2800" dirty="0"/>
           </a:p>
           <a:p>
             <a:pPr lvl="1">
@@ -4010,37 +3992,7 @@
             </a:pPr>
             <a:r>
               <a:rPr lang="pl-PL" sz="2800" dirty="0"/>
-              <a:t>Walidacja warunkowa</a:t>
-            </a:r>
-          </a:p>
-          <a:p>
-            <a:pPr lvl="1">
-              <a:buFont typeface="Arial" panose="020B0604020202020204" pitchFamily="34" charset="0"/>
-              <a:buChar char="•"/>
-            </a:pPr>
-            <a:r>
-              <a:rPr lang="pl-PL" sz="2800" dirty="0"/>
-              <a:t>Możliwość wstrzyknięcia obiektów</a:t>
-            </a:r>
-          </a:p>
-          <a:p>
-            <a:pPr lvl="1">
-              <a:buFont typeface="Arial" panose="020B0604020202020204" pitchFamily="34" charset="0"/>
-              <a:buChar char="•"/>
-            </a:pPr>
-            <a:r>
-              <a:rPr lang="pl-PL" sz="2800" dirty="0"/>
-              <a:t>Integracja z ASP.NET MVC</a:t>
-            </a:r>
-          </a:p>
-          <a:p>
-            <a:pPr lvl="2">
-              <a:buFont typeface="Arial" panose="020B0604020202020204" pitchFamily="34" charset="0"/>
-              <a:buChar char="•"/>
-            </a:pPr>
-            <a:r>
-              <a:rPr lang="pl-PL" sz="2400" dirty="0"/>
-              <a:t>Niektóre reguły dodają walidację po stronie klienta</a:t>
+              <a:t>Niestety w języku angielskim</a:t>
             </a:r>
           </a:p>
           <a:p>
@@ -4055,7 +4007,7 @@
     </p:spTree>
     <p:extLst>
       <p:ext uri="{BB962C8B-B14F-4D97-AF65-F5344CB8AC3E}">
-        <p14:creationId xmlns:p14="http://schemas.microsoft.com/office/powerpoint/2010/main" val="2363373938"/>
+        <p14:creationId xmlns:p14="http://schemas.microsoft.com/office/powerpoint/2010/main" val="3515369434"/>
       </p:ext>
     </p:extLst>
   </p:cSld>
@@ -4098,9 +4050,18 @@
           <a:lstStyle/>
           <a:p>
             <a:r>
+              <a:rPr lang="pl-PL" dirty="0" err="1"/>
+              <a:t>Fluent</a:t>
+            </a:r>
+            <a:r>
               <a:rPr lang="pl-PL" dirty="0"/>
-              <a:t>Postal.MVC5</a:t>
-            </a:r>
+              <a:t> </a:t>
+            </a:r>
+            <a:r>
+              <a:rPr lang="pl-PL" dirty="0" err="1"/>
+              <a:t>Validation</a:t>
+            </a:r>
+            <a:endParaRPr lang="pl-PL" dirty="0"/>
           </a:p>
         </p:txBody>
       </p:sp>
@@ -4127,7 +4088,11 @@
             </a:pPr>
             <a:r>
               <a:rPr lang="pl-PL" sz="2800" dirty="0"/>
-              <a:t>Możliwość wysyłania email bazując na ASP.NET MVC</a:t>
+              <a:t>Rozbudowana</a:t>
+            </a:r>
+            <a:r>
+              <a:rPr lang="pl-PL" sz="2400" dirty="0"/>
+              <a:t> walidacja obiektów</a:t>
             </a:r>
           </a:p>
           <a:p>
@@ -4137,13 +4102,16 @@
             </a:pPr>
             <a:r>
               <a:rPr lang="pl-PL" sz="2000" dirty="0"/>
-              <a:t>Tworzenie treści w pliku </a:t>
+              <a:t>Do tego przyjemne </a:t>
             </a:r>
             <a:r>
               <a:rPr lang="pl-PL" sz="2000" dirty="0" err="1"/>
-              <a:t>cshtml</a:t>
-            </a:r>
-            <a:endParaRPr lang="pl-PL" sz="2000" dirty="0"/>
+              <a:t>Fluent</a:t>
+            </a:r>
+            <a:r>
+              <a:rPr lang="pl-PL" sz="2000" dirty="0"/>
+              <a:t> API</a:t>
+            </a:r>
           </a:p>
           <a:p>
             <a:pPr lvl="1">
@@ -4152,7 +4120,37 @@
             </a:pPr>
             <a:r>
               <a:rPr lang="pl-PL" sz="2800" dirty="0"/>
-              <a:t>Możliwość uruchomienia spoza kontekstu HTTP</a:t>
+              <a:t>Walidacja warunkowa</a:t>
+            </a:r>
+          </a:p>
+          <a:p>
+            <a:pPr lvl="1">
+              <a:buFont typeface="Arial" panose="020B0604020202020204" pitchFamily="34" charset="0"/>
+              <a:buChar char="•"/>
+            </a:pPr>
+            <a:r>
+              <a:rPr lang="pl-PL" sz="2800" dirty="0"/>
+              <a:t>Możliwość wstrzyknięcia obiektów</a:t>
+            </a:r>
+          </a:p>
+          <a:p>
+            <a:pPr lvl="1">
+              <a:buFont typeface="Arial" panose="020B0604020202020204" pitchFamily="34" charset="0"/>
+              <a:buChar char="•"/>
+            </a:pPr>
+            <a:r>
+              <a:rPr lang="pl-PL" sz="2800" dirty="0"/>
+              <a:t>Integracja z ASP.NET MVC</a:t>
+            </a:r>
+          </a:p>
+          <a:p>
+            <a:pPr lvl="2">
+              <a:buFont typeface="Arial" panose="020B0604020202020204" pitchFamily="34" charset="0"/>
+              <a:buChar char="•"/>
+            </a:pPr>
+            <a:r>
+              <a:rPr lang="pl-PL" sz="2400" dirty="0"/>
+              <a:t>Niektóre reguły dodają walidację po stronie klienta</a:t>
             </a:r>
           </a:p>
           <a:p>
@@ -4167,7 +4165,7 @@
     </p:spTree>
     <p:extLst>
       <p:ext uri="{BB962C8B-B14F-4D97-AF65-F5344CB8AC3E}">
-        <p14:creationId xmlns:p14="http://schemas.microsoft.com/office/powerpoint/2010/main" val="177517630"/>
+        <p14:creationId xmlns:p14="http://schemas.microsoft.com/office/powerpoint/2010/main" val="2363373938"/>
       </p:ext>
     </p:extLst>
   </p:cSld>
@@ -4210,6 +4208,118 @@
           <a:lstStyle/>
           <a:p>
             <a:r>
+              <a:rPr lang="pl-PL" dirty="0"/>
+              <a:t>Postal.MVC5</a:t>
+            </a:r>
+          </a:p>
+        </p:txBody>
+      </p:sp>
+      <p:sp>
+        <p:nvSpPr>
+          <p:cNvPr id="3" name="Symbol zastępczy zawartości 2"/>
+          <p:cNvSpPr>
+            <a:spLocks noGrp="1"/>
+          </p:cNvSpPr>
+          <p:nvPr>
+            <p:ph idx="1"/>
+          </p:nvPr>
+        </p:nvSpPr>
+        <p:spPr/>
+        <p:txBody>
+          <a:bodyPr>
+            <a:normAutofit/>
+          </a:bodyPr>
+          <a:lstStyle/>
+          <a:p>
+            <a:pPr lvl="1">
+              <a:buFont typeface="Arial" panose="020B0604020202020204" pitchFamily="34" charset="0"/>
+              <a:buChar char="•"/>
+            </a:pPr>
+            <a:r>
+              <a:rPr lang="pl-PL" sz="2800" dirty="0"/>
+              <a:t>Możliwość wysyłania email bazując na ASP.NET MVC</a:t>
+            </a:r>
+          </a:p>
+          <a:p>
+            <a:pPr lvl="2">
+              <a:buFont typeface="Arial" panose="020B0604020202020204" pitchFamily="34" charset="0"/>
+              <a:buChar char="•"/>
+            </a:pPr>
+            <a:r>
+              <a:rPr lang="pl-PL" sz="2000" dirty="0"/>
+              <a:t>Tworzenie treści w pliku </a:t>
+            </a:r>
+            <a:r>
+              <a:rPr lang="pl-PL" sz="2000" dirty="0" err="1"/>
+              <a:t>cshtml</a:t>
+            </a:r>
+            <a:endParaRPr lang="pl-PL" sz="2000" dirty="0"/>
+          </a:p>
+          <a:p>
+            <a:pPr lvl="1">
+              <a:buFont typeface="Arial" panose="020B0604020202020204" pitchFamily="34" charset="0"/>
+              <a:buChar char="•"/>
+            </a:pPr>
+            <a:r>
+              <a:rPr lang="pl-PL" sz="2800" dirty="0"/>
+              <a:t>Możliwość uruchomienia spoza kontekstu HTTP</a:t>
+            </a:r>
+          </a:p>
+          <a:p>
+            <a:pPr lvl="1">
+              <a:buFont typeface="Arial" panose="020B0604020202020204" pitchFamily="34" charset="0"/>
+              <a:buChar char="•"/>
+            </a:pPr>
+            <a:endParaRPr lang="pl-PL" sz="2400" dirty="0"/>
+          </a:p>
+        </p:txBody>
+      </p:sp>
+    </p:spTree>
+    <p:extLst>
+      <p:ext uri="{BB962C8B-B14F-4D97-AF65-F5344CB8AC3E}">
+        <p14:creationId xmlns:p14="http://schemas.microsoft.com/office/powerpoint/2010/main" val="177517630"/>
+      </p:ext>
+    </p:extLst>
+  </p:cSld>
+  <p:clrMapOvr>
+    <a:masterClrMapping/>
+  </p:clrMapOvr>
+</p:sld>
+</file>
+
+<file path=ppt/slides/slide13.xml><?xml version="1.0" encoding="utf-8"?>
+<p:sld xmlns:a="http://schemas.openxmlformats.org/drawingml/2006/main" xmlns:r="http://schemas.openxmlformats.org/officeDocument/2006/relationships" xmlns:p="http://schemas.openxmlformats.org/presentationml/2006/main">
+  <p:cSld>
+    <p:spTree>
+      <p:nvGrpSpPr>
+        <p:cNvPr id="1" name=""/>
+        <p:cNvGrpSpPr/>
+        <p:nvPr/>
+      </p:nvGrpSpPr>
+      <p:grpSpPr>
+        <a:xfrm>
+          <a:off x="0" y="0"/>
+          <a:ext cx="0" cy="0"/>
+          <a:chOff x="0" y="0"/>
+          <a:chExt cx="0" cy="0"/>
+        </a:xfrm>
+      </p:grpSpPr>
+      <p:sp>
+        <p:nvSpPr>
+          <p:cNvPr id="2" name="Tytuł 1"/>
+          <p:cNvSpPr>
+            <a:spLocks noGrp="1"/>
+          </p:cNvSpPr>
+          <p:nvPr>
+            <p:ph type="title"/>
+          </p:nvPr>
+        </p:nvSpPr>
+        <p:spPr/>
+        <p:txBody>
+          <a:bodyPr/>
+          <a:lstStyle/>
+          <a:p>
+            <a:r>
               <a:rPr lang="pl-PL" dirty="0" err="1"/>
               <a:t>HangFire</a:t>
             </a:r>
@@ -4295,7 +4405,7 @@
 </p:sld>
 </file>
 
-<file path=ppt/slides/slide13.xml><?xml version="1.0" encoding="utf-8"?>
+<file path=ppt/slides/slide14.xml><?xml version="1.0" encoding="utf-8"?>
 <p:sld xmlns:a="http://schemas.openxmlformats.org/drawingml/2006/main" xmlns:r="http://schemas.openxmlformats.org/officeDocument/2006/relationships" xmlns:p="http://schemas.openxmlformats.org/presentationml/2006/main">
   <p:cSld>
     <p:spTree>
@@ -4505,7 +4615,34 @@
               <a:rPr lang="pl-PL" sz="2800" dirty="0"/>
               <a:t>Trener, Konsultant, Prelegent</a:t>
             </a:r>
-            <a:endParaRPr lang="en-US" sz="2800" dirty="0"/>
+          </a:p>
+          <a:p>
+            <a:pPr>
+              <a:buFont typeface="Arial" panose="020B0604020202020204" pitchFamily="34" charset="0"/>
+              <a:buChar char="•"/>
+            </a:pPr>
+            <a:r>
+              <a:rPr lang="pl-PL" sz="2800" dirty="0"/>
+              <a:t>Blog – </a:t>
+            </a:r>
+            <a:r>
+              <a:rPr lang="pl-PL" sz="2800" dirty="0">
+                <a:hlinkClick r:id="rId2"/>
+              </a:rPr>
+              <a:t>https://plawgo.pl</a:t>
+            </a:r>
+            <a:endParaRPr lang="pl-PL" sz="2800" dirty="0"/>
+          </a:p>
+          <a:p>
+            <a:pPr lvl="1">
+              <a:buFont typeface="Arial" panose="020B0604020202020204" pitchFamily="34" charset="0"/>
+              <a:buChar char="•"/>
+            </a:pPr>
+            <a:r>
+              <a:rPr lang="pl-PL" sz="2600" dirty="0"/>
+              <a:t>Darmowy kurs email Visual Studio</a:t>
+            </a:r>
+            <a:endParaRPr lang="en-US" sz="2600" dirty="0"/>
           </a:p>
         </p:txBody>
       </p:sp>
@@ -5150,13 +5287,8 @@
           <a:p>
             <a:r>
               <a:rPr lang="pl-PL" dirty="0"/>
-              <a:t> </a:t>
-            </a:r>
-            <a:r>
-              <a:rPr lang="pl-PL" dirty="0" err="1"/>
-              <a:t>NBuilder</a:t>
-            </a:r>
-            <a:endParaRPr lang="pl-PL" dirty="0"/>
+              <a:t> T4MVC</a:t>
+            </a:r>
           </a:p>
         </p:txBody>
       </p:sp>
@@ -5183,27 +5315,7 @@
             </a:pPr>
             <a:r>
               <a:rPr lang="pl-PL" sz="2800" dirty="0"/>
-              <a:t>Proste tworzenie obiektów (głównie listy)</a:t>
-            </a:r>
-          </a:p>
-          <a:p>
-            <a:pPr>
-              <a:buFont typeface="Arial" panose="020B0604020202020204" pitchFamily="34" charset="0"/>
-              <a:buChar char="•"/>
-            </a:pPr>
-            <a:r>
-              <a:rPr lang="pl-PL" sz="2800" dirty="0"/>
-              <a:t>Domyślnie uzupełnia dane nazwą właściwości</a:t>
-            </a:r>
-          </a:p>
-          <a:p>
-            <a:pPr>
-              <a:buFont typeface="Arial" panose="020B0604020202020204" pitchFamily="34" charset="0"/>
-              <a:buChar char="•"/>
-            </a:pPr>
-            <a:r>
-              <a:rPr lang="pl-PL" sz="2800" dirty="0"/>
-              <a:t>Możliwość konfigurowania sposobu tworzenie obiektów</a:t>
+              <a:t>Szablon generujący klasy/metody/właściwości umożliwiający przestanie używania stringów w kodzie</a:t>
             </a:r>
             <a:endParaRPr lang="pl-PL" sz="2200" dirty="0"/>
           </a:p>
@@ -5219,7 +5331,7 @@
     </p:spTree>
     <p:extLst>
       <p:ext uri="{BB962C8B-B14F-4D97-AF65-F5344CB8AC3E}">
-        <p14:creationId xmlns:p14="http://schemas.microsoft.com/office/powerpoint/2010/main" val="1306728665"/>
+        <p14:creationId xmlns:p14="http://schemas.microsoft.com/office/powerpoint/2010/main" val="3474040556"/>
       </p:ext>
     </p:extLst>
   </p:cSld>
@@ -5230,7 +5342,7 @@
 </file>
 
 <file path=ppt/slides/slide9.xml><?xml version="1.0" encoding="utf-8"?>
-<p:sld xmlns:a="http://schemas.openxmlformats.org/drawingml/2006/main" xmlns:r="http://schemas.openxmlformats.org/officeDocument/2006/relationships" xmlns:p="http://schemas.openxmlformats.org/presentationml/2006/main">
+<p:sld xmlns:a="http://schemas.openxmlformats.org/drawingml/2006/main" xmlns:r="http://schemas.openxmlformats.org/officeDocument/2006/relationships" xmlns:p="http://schemas.openxmlformats.org/presentationml/2006/main" show="0">
   <p:cSld>
     <p:spTree>
       <p:nvGrpSpPr>
@@ -5267,7 +5379,7 @@
             </a:r>
             <a:r>
               <a:rPr lang="pl-PL" dirty="0" err="1"/>
-              <a:t>Faker.Net</a:t>
+              <a:t>NBuilder</a:t>
             </a:r>
             <a:endParaRPr lang="pl-PL" dirty="0"/>
           </a:p>
@@ -5290,31 +5402,35 @@
           </a:bodyPr>
           <a:lstStyle/>
           <a:p>
-            <a:pPr lvl="1">
+            <a:pPr>
               <a:buFont typeface="Arial" panose="020B0604020202020204" pitchFamily="34" charset="0"/>
               <a:buChar char="•"/>
             </a:pPr>
             <a:r>
               <a:rPr lang="pl-PL" sz="2800" dirty="0"/>
-              <a:t>Możliwość generowania w miarę realnych danych</a:t>
-            </a:r>
-          </a:p>
-          <a:p>
-            <a:pPr lvl="2">
+              <a:t>Proste tworzenie obiektów (głównie listy)</a:t>
+            </a:r>
+          </a:p>
+          <a:p>
+            <a:pPr>
               <a:buFont typeface="Arial" panose="020B0604020202020204" pitchFamily="34" charset="0"/>
               <a:buChar char="•"/>
             </a:pPr>
-            <a:endParaRPr lang="pl-PL" sz="2800" dirty="0"/>
-          </a:p>
-          <a:p>
-            <a:pPr lvl="1">
+            <a:r>
+              <a:rPr lang="pl-PL" sz="2800" dirty="0"/>
+              <a:t>Domyślnie uzupełnia dane nazwą właściwości</a:t>
+            </a:r>
+          </a:p>
+          <a:p>
+            <a:pPr>
               <a:buFont typeface="Arial" panose="020B0604020202020204" pitchFamily="34" charset="0"/>
               <a:buChar char="•"/>
             </a:pPr>
             <a:r>
               <a:rPr lang="pl-PL" sz="2800" dirty="0"/>
-              <a:t>Niestety w języku angielskim</a:t>
-            </a:r>
+              <a:t>Możliwość konfigurowania sposobu tworzenie obiektów</a:t>
+            </a:r>
+            <a:endParaRPr lang="pl-PL" sz="2200" dirty="0"/>
           </a:p>
           <a:p>
             <a:pPr lvl="1">
@@ -5328,7 +5444,7 @@
     </p:spTree>
     <p:extLst>
       <p:ext uri="{BB962C8B-B14F-4D97-AF65-F5344CB8AC3E}">
-        <p14:creationId xmlns:p14="http://schemas.microsoft.com/office/powerpoint/2010/main" val="3515369434"/>
+        <p14:creationId xmlns:p14="http://schemas.microsoft.com/office/powerpoint/2010/main" val="1306728665"/>
       </p:ext>
     </p:extLst>
   </p:cSld>
